--- a/Lecture/AutoML Tutorial.pptx
+++ b/Lecture/AutoML Tutorial.pptx
@@ -252,7 +252,7 @@
           <a:p>
             <a:fld id="{7E227BE0-8D26-2C46-B592-87513771FDEF}" type="datetimeFigureOut">
               <a:rPr lang="en-US" smtClean="0"/>
-              <a:t>4/26/2022</a:t>
+              <a:t>4/27/2022</a:t>
             </a:fld>
             <a:endParaRPr lang="en-US"/>
           </a:p>
@@ -7854,7 +7854,7 @@
           <a:p>
             <a:fld id="{2C98E1AB-6A0A-AC44-83B9-9FAC961E3C28}" type="datetimeFigureOut">
               <a:rPr lang="en-US" smtClean="0"/>
-              <a:t>4/26/2022</a:t>
+              <a:t>4/27/2022</a:t>
             </a:fld>
             <a:endParaRPr lang="en-US"/>
           </a:p>
@@ -11504,8 +11504,8 @@
         </p:blipFill>
         <p:spPr>
           <a:xfrm>
-            <a:off x="182880" y="2076949"/>
-            <a:ext cx="8081364" cy="3782411"/>
+            <a:off x="1142990" y="1544887"/>
+            <a:ext cx="9906018" cy="4120947"/>
           </a:xfrm>
           <a:prstGeom prst="rect">
             <a:avLst/>
@@ -11562,8 +11562,8 @@
         </p:nvSpPr>
         <p:spPr>
           <a:xfrm>
-            <a:off x="943276" y="2338939"/>
-            <a:ext cx="6728059" cy="1665170"/>
+            <a:off x="2175728" y="1868928"/>
+            <a:ext cx="8061576" cy="1665170"/>
           </a:xfrm>
           <a:prstGeom prst="rect">
             <a:avLst/>
@@ -11615,8 +11615,8 @@
         </p:nvCxnSpPr>
         <p:spPr>
           <a:xfrm flipH="1">
-            <a:off x="4158114" y="1398917"/>
-            <a:ext cx="4264916" cy="940022"/>
+            <a:off x="6549887" y="1398917"/>
+            <a:ext cx="1873143" cy="652144"/>
           </a:xfrm>
           <a:prstGeom prst="straightConnector1">
             <a:avLst/>
@@ -11654,8 +11654,8 @@
         </p:nvSpPr>
         <p:spPr>
           <a:xfrm>
-            <a:off x="8052213" y="3016971"/>
-            <a:ext cx="4264916" cy="1815882"/>
+            <a:off x="550852" y="5626078"/>
+            <a:ext cx="11400182" cy="523220"/>
           </a:xfrm>
           <a:prstGeom prst="rect">
             <a:avLst/>
@@ -11675,18 +11675,12 @@
                   <a:srgbClr val="FF0000"/>
                 </a:solidFill>
               </a:rPr>
-              <a:t>Autonomous ML</a:t>
-            </a:r>
-          </a:p>
-          <a:p>
-            <a:pPr algn="ctr"/>
+              <a:t>Autonomous ML </a:t>
+            </a:r>
             <a:r>
               <a:rPr lang="en-US" sz="2800" b="1" dirty="0"/>
-              <a:t>=</a:t>
-            </a:r>
-          </a:p>
-          <a:p>
-            <a:pPr algn="ctr"/>
+              <a:t>= </a:t>
+            </a:r>
             <a:r>
               <a:rPr lang="en-US" sz="2800" b="1" dirty="0">
                 <a:solidFill>
@@ -16386,7 +16380,7 @@
                             </p:stCondLst>
                             <p:childTnLst>
                               <p:par>
-                                <p:cTn id="5" presetID="10" presetClass="entr" presetSubtype="0" fill="hold" grpId="0" nodeType="clickEffect">
+                                <p:cTn id="5" presetID="10" presetClass="entr" presetSubtype="0" fill="hold" nodeType="clickEffect">
                                   <p:stCondLst>
                                     <p:cond delay="0"/>
                                   </p:stCondLst>
@@ -16394,6 +16388,404 @@
                                     <p:set>
                                       <p:cBhvr>
                                         <p:cTn id="6" dur="1" fill="hold">
+                                          <p:stCondLst>
+                                            <p:cond delay="0"/>
+                                          </p:stCondLst>
+                                        </p:cTn>
+                                        <p:tgtEl>
+                                          <p:spTgt spid="3">
+                                            <p:txEl>
+                                              <p:pRg st="1" end="1"/>
+                                            </p:txEl>
+                                          </p:spTgt>
+                                        </p:tgtEl>
+                                        <p:attrNameLst>
+                                          <p:attrName>style.visibility</p:attrName>
+                                        </p:attrNameLst>
+                                      </p:cBhvr>
+                                      <p:to>
+                                        <p:strVal val="visible"/>
+                                      </p:to>
+                                    </p:set>
+                                    <p:animEffect transition="in" filter="fade">
+                                      <p:cBhvr>
+                                        <p:cTn id="7" dur="500"/>
+                                        <p:tgtEl>
+                                          <p:spTgt spid="3">
+                                            <p:txEl>
+                                              <p:pRg st="1" end="1"/>
+                                            </p:txEl>
+                                          </p:spTgt>
+                                        </p:tgtEl>
+                                      </p:cBhvr>
+                                    </p:animEffect>
+                                  </p:childTnLst>
+                                </p:cTn>
+                              </p:par>
+                              <p:par>
+                                <p:cTn id="8" presetID="10" presetClass="entr" presetSubtype="0" fill="hold" nodeType="withEffect">
+                                  <p:stCondLst>
+                                    <p:cond delay="0"/>
+                                  </p:stCondLst>
+                                  <p:childTnLst>
+                                    <p:set>
+                                      <p:cBhvr>
+                                        <p:cTn id="9" dur="1" fill="hold">
+                                          <p:stCondLst>
+                                            <p:cond delay="0"/>
+                                          </p:stCondLst>
+                                        </p:cTn>
+                                        <p:tgtEl>
+                                          <p:spTgt spid="3">
+                                            <p:txEl>
+                                              <p:pRg st="2" end="2"/>
+                                            </p:txEl>
+                                          </p:spTgt>
+                                        </p:tgtEl>
+                                        <p:attrNameLst>
+                                          <p:attrName>style.visibility</p:attrName>
+                                        </p:attrNameLst>
+                                      </p:cBhvr>
+                                      <p:to>
+                                        <p:strVal val="visible"/>
+                                      </p:to>
+                                    </p:set>
+                                    <p:animEffect transition="in" filter="fade">
+                                      <p:cBhvr>
+                                        <p:cTn id="10" dur="500"/>
+                                        <p:tgtEl>
+                                          <p:spTgt spid="3">
+                                            <p:txEl>
+                                              <p:pRg st="2" end="2"/>
+                                            </p:txEl>
+                                          </p:spTgt>
+                                        </p:tgtEl>
+                                      </p:cBhvr>
+                                    </p:animEffect>
+                                  </p:childTnLst>
+                                </p:cTn>
+                              </p:par>
+                              <p:par>
+                                <p:cTn id="11" presetID="10" presetClass="entr" presetSubtype="0" fill="hold" nodeType="withEffect">
+                                  <p:stCondLst>
+                                    <p:cond delay="0"/>
+                                  </p:stCondLst>
+                                  <p:childTnLst>
+                                    <p:set>
+                                      <p:cBhvr>
+                                        <p:cTn id="12" dur="1" fill="hold">
+                                          <p:stCondLst>
+                                            <p:cond delay="0"/>
+                                          </p:stCondLst>
+                                        </p:cTn>
+                                        <p:tgtEl>
+                                          <p:spTgt spid="3">
+                                            <p:txEl>
+                                              <p:pRg st="3" end="3"/>
+                                            </p:txEl>
+                                          </p:spTgt>
+                                        </p:tgtEl>
+                                        <p:attrNameLst>
+                                          <p:attrName>style.visibility</p:attrName>
+                                        </p:attrNameLst>
+                                      </p:cBhvr>
+                                      <p:to>
+                                        <p:strVal val="visible"/>
+                                      </p:to>
+                                    </p:set>
+                                    <p:animEffect transition="in" filter="fade">
+                                      <p:cBhvr>
+                                        <p:cTn id="13" dur="500"/>
+                                        <p:tgtEl>
+                                          <p:spTgt spid="3">
+                                            <p:txEl>
+                                              <p:pRg st="3" end="3"/>
+                                            </p:txEl>
+                                          </p:spTgt>
+                                        </p:tgtEl>
+                                      </p:cBhvr>
+                                    </p:animEffect>
+                                  </p:childTnLst>
+                                </p:cTn>
+                              </p:par>
+                              <p:par>
+                                <p:cTn id="14" presetID="10" presetClass="entr" presetSubtype="0" fill="hold" nodeType="withEffect">
+                                  <p:stCondLst>
+                                    <p:cond delay="0"/>
+                                  </p:stCondLst>
+                                  <p:childTnLst>
+                                    <p:set>
+                                      <p:cBhvr>
+                                        <p:cTn id="15" dur="1" fill="hold">
+                                          <p:stCondLst>
+                                            <p:cond delay="0"/>
+                                          </p:stCondLst>
+                                        </p:cTn>
+                                        <p:tgtEl>
+                                          <p:spTgt spid="3">
+                                            <p:txEl>
+                                              <p:pRg st="4" end="4"/>
+                                            </p:txEl>
+                                          </p:spTgt>
+                                        </p:tgtEl>
+                                        <p:attrNameLst>
+                                          <p:attrName>style.visibility</p:attrName>
+                                        </p:attrNameLst>
+                                      </p:cBhvr>
+                                      <p:to>
+                                        <p:strVal val="visible"/>
+                                      </p:to>
+                                    </p:set>
+                                    <p:animEffect transition="in" filter="fade">
+                                      <p:cBhvr>
+                                        <p:cTn id="16" dur="500"/>
+                                        <p:tgtEl>
+                                          <p:spTgt spid="3">
+                                            <p:txEl>
+                                              <p:pRg st="4" end="4"/>
+                                            </p:txEl>
+                                          </p:spTgt>
+                                        </p:tgtEl>
+                                      </p:cBhvr>
+                                    </p:animEffect>
+                                  </p:childTnLst>
+                                </p:cTn>
+                              </p:par>
+                            </p:childTnLst>
+                          </p:cTn>
+                        </p:par>
+                      </p:childTnLst>
+                    </p:cTn>
+                  </p:par>
+                  <p:par>
+                    <p:cTn id="17" fill="hold">
+                      <p:stCondLst>
+                        <p:cond delay="indefinite"/>
+                      </p:stCondLst>
+                      <p:childTnLst>
+                        <p:par>
+                          <p:cTn id="18" fill="hold">
+                            <p:stCondLst>
+                              <p:cond delay="0"/>
+                            </p:stCondLst>
+                            <p:childTnLst>
+                              <p:par>
+                                <p:cTn id="19" presetID="10" presetClass="entr" presetSubtype="0" fill="hold" nodeType="clickEffect">
+                                  <p:stCondLst>
+                                    <p:cond delay="0"/>
+                                  </p:stCondLst>
+                                  <p:childTnLst>
+                                    <p:set>
+                                      <p:cBhvr>
+                                        <p:cTn id="20" dur="1" fill="hold">
+                                          <p:stCondLst>
+                                            <p:cond delay="0"/>
+                                          </p:stCondLst>
+                                        </p:cTn>
+                                        <p:tgtEl>
+                                          <p:spTgt spid="3">
+                                            <p:txEl>
+                                              <p:pRg st="5" end="5"/>
+                                            </p:txEl>
+                                          </p:spTgt>
+                                        </p:tgtEl>
+                                        <p:attrNameLst>
+                                          <p:attrName>style.visibility</p:attrName>
+                                        </p:attrNameLst>
+                                      </p:cBhvr>
+                                      <p:to>
+                                        <p:strVal val="visible"/>
+                                      </p:to>
+                                    </p:set>
+                                    <p:animEffect transition="in" filter="fade">
+                                      <p:cBhvr>
+                                        <p:cTn id="21" dur="500"/>
+                                        <p:tgtEl>
+                                          <p:spTgt spid="3">
+                                            <p:txEl>
+                                              <p:pRg st="5" end="5"/>
+                                            </p:txEl>
+                                          </p:spTgt>
+                                        </p:tgtEl>
+                                      </p:cBhvr>
+                                    </p:animEffect>
+                                  </p:childTnLst>
+                                </p:cTn>
+                              </p:par>
+                              <p:par>
+                                <p:cTn id="22" presetID="10" presetClass="entr" presetSubtype="0" fill="hold" nodeType="withEffect">
+                                  <p:stCondLst>
+                                    <p:cond delay="0"/>
+                                  </p:stCondLst>
+                                  <p:childTnLst>
+                                    <p:set>
+                                      <p:cBhvr>
+                                        <p:cTn id="23" dur="1" fill="hold">
+                                          <p:stCondLst>
+                                            <p:cond delay="0"/>
+                                          </p:stCondLst>
+                                        </p:cTn>
+                                        <p:tgtEl>
+                                          <p:spTgt spid="3">
+                                            <p:txEl>
+                                              <p:pRg st="6" end="6"/>
+                                            </p:txEl>
+                                          </p:spTgt>
+                                        </p:tgtEl>
+                                        <p:attrNameLst>
+                                          <p:attrName>style.visibility</p:attrName>
+                                        </p:attrNameLst>
+                                      </p:cBhvr>
+                                      <p:to>
+                                        <p:strVal val="visible"/>
+                                      </p:to>
+                                    </p:set>
+                                    <p:animEffect transition="in" filter="fade">
+                                      <p:cBhvr>
+                                        <p:cTn id="24" dur="500"/>
+                                        <p:tgtEl>
+                                          <p:spTgt spid="3">
+                                            <p:txEl>
+                                              <p:pRg st="6" end="6"/>
+                                            </p:txEl>
+                                          </p:spTgt>
+                                        </p:tgtEl>
+                                      </p:cBhvr>
+                                    </p:animEffect>
+                                  </p:childTnLst>
+                                </p:cTn>
+                              </p:par>
+                            </p:childTnLst>
+                          </p:cTn>
+                        </p:par>
+                      </p:childTnLst>
+                    </p:cTn>
+                  </p:par>
+                  <p:par>
+                    <p:cTn id="25" fill="hold">
+                      <p:stCondLst>
+                        <p:cond delay="indefinite"/>
+                      </p:stCondLst>
+                      <p:childTnLst>
+                        <p:par>
+                          <p:cTn id="26" fill="hold">
+                            <p:stCondLst>
+                              <p:cond delay="0"/>
+                            </p:stCondLst>
+                            <p:childTnLst>
+                              <p:par>
+                                <p:cTn id="27" presetID="10" presetClass="entr" presetSubtype="0" fill="hold" nodeType="clickEffect">
+                                  <p:stCondLst>
+                                    <p:cond delay="0"/>
+                                  </p:stCondLst>
+                                  <p:childTnLst>
+                                    <p:set>
+                                      <p:cBhvr>
+                                        <p:cTn id="28" dur="1" fill="hold">
+                                          <p:stCondLst>
+                                            <p:cond delay="0"/>
+                                          </p:stCondLst>
+                                        </p:cTn>
+                                        <p:tgtEl>
+                                          <p:spTgt spid="3">
+                                            <p:txEl>
+                                              <p:pRg st="7" end="7"/>
+                                            </p:txEl>
+                                          </p:spTgt>
+                                        </p:tgtEl>
+                                        <p:attrNameLst>
+                                          <p:attrName>style.visibility</p:attrName>
+                                        </p:attrNameLst>
+                                      </p:cBhvr>
+                                      <p:to>
+                                        <p:strVal val="visible"/>
+                                      </p:to>
+                                    </p:set>
+                                    <p:animEffect transition="in" filter="fade">
+                                      <p:cBhvr>
+                                        <p:cTn id="29" dur="500"/>
+                                        <p:tgtEl>
+                                          <p:spTgt spid="3">
+                                            <p:txEl>
+                                              <p:pRg st="7" end="7"/>
+                                            </p:txEl>
+                                          </p:spTgt>
+                                        </p:tgtEl>
+                                      </p:cBhvr>
+                                    </p:animEffect>
+                                  </p:childTnLst>
+                                </p:cTn>
+                              </p:par>
+                              <p:par>
+                                <p:cTn id="30" presetID="10" presetClass="entr" presetSubtype="0" fill="hold" nodeType="withEffect">
+                                  <p:stCondLst>
+                                    <p:cond delay="0"/>
+                                  </p:stCondLst>
+                                  <p:childTnLst>
+                                    <p:set>
+                                      <p:cBhvr>
+                                        <p:cTn id="31" dur="1" fill="hold">
+                                          <p:stCondLst>
+                                            <p:cond delay="0"/>
+                                          </p:stCondLst>
+                                        </p:cTn>
+                                        <p:tgtEl>
+                                          <p:spTgt spid="3">
+                                            <p:txEl>
+                                              <p:pRg st="8" end="8"/>
+                                            </p:txEl>
+                                          </p:spTgt>
+                                        </p:tgtEl>
+                                        <p:attrNameLst>
+                                          <p:attrName>style.visibility</p:attrName>
+                                        </p:attrNameLst>
+                                      </p:cBhvr>
+                                      <p:to>
+                                        <p:strVal val="visible"/>
+                                      </p:to>
+                                    </p:set>
+                                    <p:animEffect transition="in" filter="fade">
+                                      <p:cBhvr>
+                                        <p:cTn id="32" dur="500"/>
+                                        <p:tgtEl>
+                                          <p:spTgt spid="3">
+                                            <p:txEl>
+                                              <p:pRg st="8" end="8"/>
+                                            </p:txEl>
+                                          </p:spTgt>
+                                        </p:tgtEl>
+                                      </p:cBhvr>
+                                    </p:animEffect>
+                                  </p:childTnLst>
+                                </p:cTn>
+                              </p:par>
+                            </p:childTnLst>
+                          </p:cTn>
+                        </p:par>
+                      </p:childTnLst>
+                    </p:cTn>
+                  </p:par>
+                  <p:par>
+                    <p:cTn id="33" fill="hold">
+                      <p:stCondLst>
+                        <p:cond delay="indefinite"/>
+                      </p:stCondLst>
+                      <p:childTnLst>
+                        <p:par>
+                          <p:cTn id="34" fill="hold">
+                            <p:stCondLst>
+                              <p:cond delay="0"/>
+                            </p:stCondLst>
+                            <p:childTnLst>
+                              <p:par>
+                                <p:cTn id="35" presetID="10" presetClass="entr" presetSubtype="0" fill="hold" grpId="0" nodeType="clickEffect">
+                                  <p:stCondLst>
+                                    <p:cond delay="0"/>
+                                  </p:stCondLst>
+                                  <p:childTnLst>
+                                    <p:set>
+                                      <p:cBhvr>
+                                        <p:cTn id="36" dur="1" fill="hold">
                                           <p:stCondLst>
                                             <p:cond delay="0"/>
                                           </p:stCondLst>
@@ -16411,7 +16803,7 @@
                                     </p:set>
                                     <p:animEffect transition="in" filter="fade">
                                       <p:cBhvr>
-                                        <p:cTn id="7" dur="500"/>
+                                        <p:cTn id="37" dur="500"/>
                                         <p:tgtEl>
                                           <p:spTgt spid="4"/>
                                         </p:tgtEl>
@@ -17750,15 +18142,6 @@
 </file>
 
 <file path=customXml/item1.xml><?xml version="1.0" encoding="utf-8"?>
-<p:properties xmlns:p="http://schemas.microsoft.com/office/2006/metadata/properties" xmlns:xsi="http://www.w3.org/2001/XMLSchema-instance" xmlns:pc="http://schemas.microsoft.com/office/infopath/2007/PartnerControls">
-  <documentManagement>
-    <KeyDocument xmlns="599cdadb-518c-4a4c-85ba-dbf7adc631b4">No</KeyDocument>
-    <Document_x0020_Type xmlns="420b5d22-3341-4f60-b4d6-57d88f13fbf6">Agenda</Document_x0020_Type>
-  </documentManagement>
-</p:properties>
-</file>
-
-<file path=customXml/item2.xml><?xml version="1.0" encoding="utf-8"?>
 <ct:contentTypeSchema xmlns:ct="http://schemas.microsoft.com/office/2006/metadata/contentType" xmlns:ma="http://schemas.microsoft.com/office/2006/metadata/properties/metaAttributes" ct:_="" ma:_="" ma:contentTypeName="Document" ma:contentTypeID="0x0101005F236411D1385A448DD499B680FE959C" ma:contentTypeVersion="5" ma:contentTypeDescription="Create a new document." ma:contentTypeScope="" ma:versionID="356e63679b5ba21a5ed7203213ec0c9f">
   <xsd:schema xmlns:xsd="http://www.w3.org/2001/XMLSchema" xmlns:xs="http://www.w3.org/2001/XMLSchema" xmlns:p="http://schemas.microsoft.com/office/2006/metadata/properties" xmlns:ns1="http://schemas.microsoft.com/sharepoint/v3" xmlns:ns2="599cdadb-518c-4a4c-85ba-dbf7adc631b4" xmlns:ns3="420b5d22-3341-4f60-b4d6-57d88f13fbf6" targetNamespace="http://schemas.microsoft.com/office/2006/metadata/properties" ma:root="true" ma:fieldsID="ac2e0ee9ae3581c01341be6bc1f53829" ns1:_="" ns2:_="" ns3:_="">
     <xsd:import namespace="http://schemas.microsoft.com/sharepoint/v3"/>
@@ -17935,7 +18318,25 @@
 </ct:contentTypeSchema>
 </file>
 
+<file path=customXml/item2.xml><?xml version="1.0" encoding="utf-8"?>
+<p:properties xmlns:p="http://schemas.microsoft.com/office/2006/metadata/properties" xmlns:xsi="http://www.w3.org/2001/XMLSchema-instance" xmlns:pc="http://schemas.microsoft.com/office/infopath/2007/PartnerControls">
+  <documentManagement>
+    <KeyDocument xmlns="599cdadb-518c-4a4c-85ba-dbf7adc631b4">No</KeyDocument>
+    <Document_x0020_Type xmlns="420b5d22-3341-4f60-b4d6-57d88f13fbf6">Agenda</Document_x0020_Type>
+  </documentManagement>
+</p:properties>
+</file>
+
 <file path=customXml/item3.xml><?xml version="1.0" encoding="utf-8"?>
+<?mso-contentType ?>
+<FormTemplates xmlns="http://schemas.microsoft.com/sharepoint/v3/contenttype/forms">
+  <Display>DocumentLibraryForm</Display>
+  <Edit>DocumentLibraryForm</Edit>
+  <New>DocumentLibraryForm</New>
+</FormTemplates>
+</file>
+
+<file path=customXml/item4.xml><?xml version="1.0" encoding="utf-8"?>
 <?mso-contentType ?>
 <p:Policy xmlns:p="office.server.policy" id="" local="true">
   <p:Name>Document</p:Name>
@@ -17955,27 +18356,7 @@
 </p:Policy>
 </file>
 
-<file path=customXml/item4.xml><?xml version="1.0" encoding="utf-8"?>
-<?mso-contentType ?>
-<FormTemplates xmlns="http://schemas.microsoft.com/sharepoint/v3/contenttype/forms">
-  <Display>DocumentLibraryForm</Display>
-  <Edit>DocumentLibraryForm</Edit>
-  <New>DocumentLibraryForm</New>
-</FormTemplates>
-</file>
-
 <file path=customXml/itemProps1.xml><?xml version="1.0" encoding="utf-8"?>
-<ds:datastoreItem xmlns:ds="http://schemas.openxmlformats.org/officeDocument/2006/customXml" ds:itemID="{652E60EC-561B-45BE-A672-F0C492B390AC}">
-  <ds:schemaRefs>
-    <ds:schemaRef ds:uri="http://schemas.microsoft.com/office/2006/metadata/properties"/>
-    <ds:schemaRef ds:uri="http://schemas.microsoft.com/office/infopath/2007/PartnerControls"/>
-    <ds:schemaRef ds:uri="599cdadb-518c-4a4c-85ba-dbf7adc631b4"/>
-    <ds:schemaRef ds:uri="420b5d22-3341-4f60-b4d6-57d88f13fbf6"/>
-  </ds:schemaRefs>
-</ds:datastoreItem>
-</file>
-
-<file path=customXml/itemProps2.xml><?xml version="1.0" encoding="utf-8"?>
 <ds:datastoreItem xmlns:ds="http://schemas.openxmlformats.org/officeDocument/2006/customXml" ds:itemID="{38DCEB34-3C0E-4E47-8FDE-5BCB0C9702EC}">
   <ds:schemaRefs>
     <ds:schemaRef ds:uri="http://schemas.microsoft.com/office/2006/metadata/contentType"/>
@@ -17995,18 +18376,29 @@
 </ds:datastoreItem>
 </file>
 
+<file path=customXml/itemProps2.xml><?xml version="1.0" encoding="utf-8"?>
+<ds:datastoreItem xmlns:ds="http://schemas.openxmlformats.org/officeDocument/2006/customXml" ds:itemID="{652E60EC-561B-45BE-A672-F0C492B390AC}">
+  <ds:schemaRefs>
+    <ds:schemaRef ds:uri="http://schemas.microsoft.com/office/2006/metadata/properties"/>
+    <ds:schemaRef ds:uri="http://schemas.microsoft.com/office/infopath/2007/PartnerControls"/>
+    <ds:schemaRef ds:uri="599cdadb-518c-4a4c-85ba-dbf7adc631b4"/>
+    <ds:schemaRef ds:uri="420b5d22-3341-4f60-b4d6-57d88f13fbf6"/>
+  </ds:schemaRefs>
+</ds:datastoreItem>
+</file>
+
 <file path=customXml/itemProps3.xml><?xml version="1.0" encoding="utf-8"?>
+<ds:datastoreItem xmlns:ds="http://schemas.openxmlformats.org/officeDocument/2006/customXml" ds:itemID="{51F0AC4F-98DE-4AE3-8441-0CB68757F9F6}">
+  <ds:schemaRefs>
+    <ds:schemaRef ds:uri="http://schemas.microsoft.com/sharepoint/v3/contenttype/forms"/>
+  </ds:schemaRefs>
+</ds:datastoreItem>
+</file>
+
+<file path=customXml/itemProps4.xml><?xml version="1.0" encoding="utf-8"?>
 <ds:datastoreItem xmlns:ds="http://schemas.openxmlformats.org/officeDocument/2006/customXml" ds:itemID="{45734168-935B-43E9-8E9B-A02430AEB71C}">
   <ds:schemaRefs>
     <ds:schemaRef ds:uri="office.server.policy"/>
   </ds:schemaRefs>
 </ds:datastoreItem>
-</file>
-
-<file path=customXml/itemProps4.xml><?xml version="1.0" encoding="utf-8"?>
-<ds:datastoreItem xmlns:ds="http://schemas.openxmlformats.org/officeDocument/2006/customXml" ds:itemID="{51F0AC4F-98DE-4AE3-8441-0CB68757F9F6}">
-  <ds:schemaRefs>
-    <ds:schemaRef ds:uri="http://schemas.microsoft.com/sharepoint/v3/contenttype/forms"/>
-  </ds:schemaRefs>
-</ds:datastoreItem>
 </file>
--- a/Lecture/AutoML Tutorial.pptx
+++ b/Lecture/AutoML Tutorial.pptx
@@ -10129,8 +10129,8 @@
         </p:nvSpPr>
         <p:spPr>
           <a:xfrm>
-            <a:off x="811696" y="584815"/>
-            <a:ext cx="10326658" cy="467226"/>
+            <a:off x="5015877" y="1747146"/>
+            <a:ext cx="2465047" cy="467226"/>
           </a:xfrm>
         </p:spPr>
         <p:txBody>
@@ -10138,10 +10138,10 @@
           <a:lstStyle/>
           <a:p>
             <a:r>
-              <a:rPr lang="en-US" sz="4000" dirty="0"/>
-              <a:t>Demo</a:t>
-            </a:r>
-            <a:endParaRPr lang="en-AU" sz="4000" dirty="0"/>
+              <a:rPr lang="en-US" sz="5000" dirty="0"/>
+              <a:t>DEMO</a:t>
+            </a:r>
+            <a:endParaRPr lang="en-AU" sz="5000" dirty="0"/>
           </a:p>
         </p:txBody>
       </p:sp>
@@ -10163,7 +10163,7 @@
         </p:nvSpPr>
         <p:spPr>
           <a:xfrm>
-            <a:off x="436346" y="2204241"/>
+            <a:off x="436346" y="2863466"/>
             <a:ext cx="11470106" cy="2642024"/>
           </a:xfrm>
         </p:spPr>
@@ -12086,7 +12086,7 @@
         </p:blipFill>
         <p:spPr>
           <a:xfrm>
-            <a:off x="1773114" y="693811"/>
+            <a:off x="1335798" y="693811"/>
             <a:ext cx="8508732" cy="6054405"/>
           </a:xfrm>
           <a:prstGeom prst="rect">
@@ -12108,8 +12108,8 @@
         </p:nvSpPr>
         <p:spPr>
           <a:xfrm>
-            <a:off x="4932730" y="5583276"/>
-            <a:ext cx="6980600" cy="584775"/>
+            <a:off x="7763279" y="5047849"/>
+            <a:ext cx="4312765" cy="830997"/>
           </a:xfrm>
           <a:prstGeom prst="rect">
             <a:avLst/>
@@ -12146,7 +12146,17 @@
                   <a:srgbClr val="0070C0"/>
                 </a:solidFill>
               </a:rPr>
-              <a:t>Combined Algorithm Selection and Hyperparameter </a:t>
+              <a:t>Combined Algorithm Selection and</a:t>
+            </a:r>
+          </a:p>
+          <a:p>
+            <a:r>
+              <a:rPr lang="en-US" sz="1600" dirty="0">
+                <a:solidFill>
+                  <a:srgbClr val="0070C0"/>
+                </a:solidFill>
+              </a:rPr>
+              <a:t>                Hyperparameter </a:t>
             </a:r>
             <a:r>
               <a:rPr lang="en-US" sz="1600" dirty="0" err="1">
@@ -12186,7 +12196,7 @@
         </p:nvSpPr>
         <p:spPr>
           <a:xfrm>
-            <a:off x="4244741" y="2002055"/>
+            <a:off x="3786773" y="2021933"/>
             <a:ext cx="1260910" cy="584775"/>
           </a:xfrm>
           <a:prstGeom prst="rect">
@@ -12343,6 +12353,120 @@
           </a:fontRef>
         </p:style>
       </p:cxnSp>
+      <p:sp>
+        <p:nvSpPr>
+          <p:cNvPr id="11" name="TextBox 10">
+            <a:extLst>
+              <a:ext uri="{FF2B5EF4-FFF2-40B4-BE49-F238E27FC236}">
+                <a16:creationId xmlns:a16="http://schemas.microsoft.com/office/drawing/2014/main" id="{0699C9E5-8CEC-4A6D-BEEA-8D20565A1496}"/>
+              </a:ext>
+            </a:extLst>
+          </p:cNvPr>
+          <p:cNvSpPr txBox="1"/>
+          <p:nvPr/>
+        </p:nvSpPr>
+        <p:spPr>
+          <a:xfrm>
+            <a:off x="4728822" y="5875663"/>
+            <a:ext cx="7088256" cy="923330"/>
+          </a:xfrm>
+          <a:prstGeom prst="rect">
+            <a:avLst/>
+          </a:prstGeom>
+          <a:noFill/>
+        </p:spPr>
+        <p:txBody>
+          <a:bodyPr wrap="square" rtlCol="0">
+            <a:spAutoFit/>
+          </a:bodyPr>
+          <a:lstStyle/>
+          <a:p>
+            <a:pPr algn="just"/>
+            <a:r>
+              <a:rPr lang="en-GB" sz="1800" dirty="0">
+                <a:solidFill>
+                  <a:schemeClr val="accent1"/>
+                </a:solidFill>
+                <a:latin typeface="Arial" panose="020B0604020202020204" pitchFamily="34" charset="0"/>
+                <a:ea typeface="Calibri" panose="020F0502020204030204" pitchFamily="34" charset="0"/>
+                <a:cs typeface="Arial" panose="020B0604020202020204" pitchFamily="34" charset="0"/>
+              </a:rPr>
+              <a:t>Scriven, A., DJ </a:t>
+            </a:r>
+            <a:r>
+              <a:rPr lang="en-GB" sz="1800" dirty="0" err="1">
+                <a:solidFill>
+                  <a:schemeClr val="accent1"/>
+                </a:solidFill>
+                <a:latin typeface="Arial" panose="020B0604020202020204" pitchFamily="34" charset="0"/>
+                <a:ea typeface="Calibri" panose="020F0502020204030204" pitchFamily="34" charset="0"/>
+                <a:cs typeface="Arial" panose="020B0604020202020204" pitchFamily="34" charset="0"/>
+              </a:rPr>
+              <a:t>Kedziora</a:t>
+            </a:r>
+            <a:r>
+              <a:rPr lang="en-GB" sz="1800" dirty="0">
+                <a:solidFill>
+                  <a:schemeClr val="accent1"/>
+                </a:solidFill>
+                <a:latin typeface="Arial" panose="020B0604020202020204" pitchFamily="34" charset="0"/>
+                <a:ea typeface="Calibri" panose="020F0502020204030204" pitchFamily="34" charset="0"/>
+                <a:cs typeface="Arial" panose="020B0604020202020204" pitchFamily="34" charset="0"/>
+              </a:rPr>
+              <a:t>, K Musial, B Gabrys, “</a:t>
+            </a:r>
+            <a:r>
+              <a:rPr lang="en-GB" sz="1800" i="1" dirty="0">
+                <a:solidFill>
+                  <a:schemeClr val="accent1"/>
+                </a:solidFill>
+                <a:latin typeface="Arial" panose="020B0604020202020204" pitchFamily="34" charset="0"/>
+                <a:ea typeface="Calibri" panose="020F0502020204030204" pitchFamily="34" charset="0"/>
+                <a:cs typeface="Arial" panose="020B0604020202020204" pitchFamily="34" charset="0"/>
+              </a:rPr>
+              <a:t>The Technological Emergence of </a:t>
+            </a:r>
+            <a:r>
+              <a:rPr lang="en-GB" sz="1800" i="1" dirty="0" err="1">
+                <a:solidFill>
+                  <a:schemeClr val="accent1"/>
+                </a:solidFill>
+                <a:latin typeface="Arial" panose="020B0604020202020204" pitchFamily="34" charset="0"/>
+                <a:ea typeface="Calibri" panose="020F0502020204030204" pitchFamily="34" charset="0"/>
+                <a:cs typeface="Arial" panose="020B0604020202020204" pitchFamily="34" charset="0"/>
+              </a:rPr>
+              <a:t>AutoML</a:t>
+            </a:r>
+            <a:r>
+              <a:rPr lang="en-GB" sz="1800" i="1" dirty="0">
+                <a:solidFill>
+                  <a:schemeClr val="accent1"/>
+                </a:solidFill>
+                <a:latin typeface="Arial" panose="020B0604020202020204" pitchFamily="34" charset="0"/>
+                <a:ea typeface="Calibri" panose="020F0502020204030204" pitchFamily="34" charset="0"/>
+                <a:cs typeface="Arial" panose="020B0604020202020204" pitchFamily="34" charset="0"/>
+              </a:rPr>
+              <a:t>: A Survey of Performant Software and Applications in the Context of Industry</a:t>
+            </a:r>
+            <a:r>
+              <a:rPr lang="en-GB" sz="1800" dirty="0">
+                <a:solidFill>
+                  <a:schemeClr val="accent1"/>
+                </a:solidFill>
+                <a:latin typeface="Arial" panose="020B0604020202020204" pitchFamily="34" charset="0"/>
+                <a:ea typeface="Calibri" panose="020F0502020204030204" pitchFamily="34" charset="0"/>
+                <a:cs typeface="Arial" panose="020B0604020202020204" pitchFamily="34" charset="0"/>
+              </a:rPr>
+              <a:t>”, (Under review), 2022.</a:t>
+            </a:r>
+            <a:endParaRPr lang="en-US" dirty="0">
+              <a:solidFill>
+                <a:schemeClr val="accent1"/>
+              </a:solidFill>
+            </a:endParaRPr>
+          </a:p>
+        </p:txBody>
+      </p:sp>
     </p:spTree>
     <p:extLst>
       <p:ext uri="{BB962C8B-B14F-4D97-AF65-F5344CB8AC3E}">
@@ -12493,6 +12617,59 @@
                       </p:childTnLst>
                     </p:cTn>
                   </p:par>
+                  <p:par>
+                    <p:cTn id="15" fill="hold">
+                      <p:stCondLst>
+                        <p:cond delay="indefinite"/>
+                      </p:stCondLst>
+                      <p:childTnLst>
+                        <p:par>
+                          <p:cTn id="16" fill="hold">
+                            <p:stCondLst>
+                              <p:cond delay="0"/>
+                            </p:stCondLst>
+                            <p:childTnLst>
+                              <p:par>
+                                <p:cTn id="17" presetID="10" presetClass="entr" presetSubtype="0" fill="hold" grpId="0" nodeType="clickEffect">
+                                  <p:stCondLst>
+                                    <p:cond delay="0"/>
+                                  </p:stCondLst>
+                                  <p:childTnLst>
+                                    <p:set>
+                                      <p:cBhvr>
+                                        <p:cTn id="18" dur="1" fill="hold">
+                                          <p:stCondLst>
+                                            <p:cond delay="0"/>
+                                          </p:stCondLst>
+                                        </p:cTn>
+                                        <p:tgtEl>
+                                          <p:spTgt spid="11"/>
+                                        </p:tgtEl>
+                                        <p:attrNameLst>
+                                          <p:attrName>style.visibility</p:attrName>
+                                        </p:attrNameLst>
+                                      </p:cBhvr>
+                                      <p:to>
+                                        <p:strVal val="visible"/>
+                                      </p:to>
+                                    </p:set>
+                                    <p:animEffect transition="in" filter="fade">
+                                      <p:cBhvr>
+                                        <p:cTn id="19" dur="500"/>
+                                        <p:tgtEl>
+                                          <p:spTgt spid="11"/>
+                                        </p:tgtEl>
+                                      </p:cBhvr>
+                                    </p:animEffect>
+                                  </p:childTnLst>
+                                </p:cTn>
+                              </p:par>
+                            </p:childTnLst>
+                          </p:cTn>
+                        </p:par>
+                      </p:childTnLst>
+                    </p:cTn>
+                  </p:par>
                 </p:childTnLst>
               </p:cTn>
               <p:prevCondLst>
@@ -12517,6 +12694,7 @@
     <p:bldLst>
       <p:bldP spid="9" grpId="0" animBg="1"/>
       <p:bldP spid="10" grpId="0"/>
+      <p:bldP spid="11" grpId="0"/>
     </p:bldLst>
   </p:timing>
 </p:sld>

--- a/Lecture/AutoML Tutorial.pptx
+++ b/Lecture/AutoML Tutorial.pptx
@@ -5,7 +5,7 @@
     <p:sldMasterId id="2147483648" r:id="rId5"/>
   </p:sldMasterIdLst>
   <p:notesMasterIdLst>
-    <p:notesMasterId r:id="rId19"/>
+    <p:notesMasterId r:id="rId20"/>
   </p:notesMasterIdLst>
   <p:sldIdLst>
     <p:sldId id="281" r:id="rId6"/>
@@ -21,6 +21,7 @@
     <p:sldId id="318" r:id="rId16"/>
     <p:sldId id="322" r:id="rId17"/>
     <p:sldId id="329" r:id="rId18"/>
+    <p:sldId id="330" r:id="rId19"/>
   </p:sldIdLst>
   <p:sldSz cx="12192000" cy="6858000"/>
   <p:notesSz cx="6858000" cy="9144000"/>
@@ -141,6 +142,7 @@
             <p14:sldId id="318"/>
             <p14:sldId id="322"/>
             <p14:sldId id="329"/>
+            <p14:sldId id="330"/>
           </p14:sldIdLst>
         </p14:section>
         <p14:section name="Layouts" id="{14B08E05-62FE-2547-A4CE-EF3F3E32D614}">
@@ -252,7 +254,7 @@
           <a:p>
             <a:fld id="{7E227BE0-8D26-2C46-B592-87513771FDEF}" type="datetimeFigureOut">
               <a:rPr lang="en-US" smtClean="0"/>
-              <a:t>4/27/2022</a:t>
+              <a:t>5/5/2022</a:t>
             </a:fld>
             <a:endParaRPr lang="en-US"/>
           </a:p>
@@ -7854,7 +7856,7 @@
           <a:p>
             <a:fld id="{2C98E1AB-6A0A-AC44-83B9-9FAC961E3C28}" type="datetimeFigureOut">
               <a:rPr lang="en-US" smtClean="0"/>
-              <a:t>4/27/2022</a:t>
+              <a:t>5/5/2022</a:t>
             </a:fld>
             <a:endParaRPr lang="en-US"/>
           </a:p>
@@ -10233,6 +10235,660 @@
     <p:extLst>
       <p:ext uri="{BB962C8B-B14F-4D97-AF65-F5344CB8AC3E}">
         <p14:creationId xmlns:p14="http://schemas.microsoft.com/office/powerpoint/2010/main" val="1284557683"/>
+      </p:ext>
+    </p:extLst>
+  </p:cSld>
+  <p:clrMapOvr>
+    <a:masterClrMapping/>
+  </p:clrMapOvr>
+</p:sld>
+</file>
+
+<file path=ppt/slides/slide14.xml><?xml version="1.0" encoding="utf-8"?>
+<p:sld xmlns:a="http://schemas.openxmlformats.org/drawingml/2006/main" xmlns:r="http://schemas.openxmlformats.org/officeDocument/2006/relationships" xmlns:p="http://schemas.openxmlformats.org/presentationml/2006/main">
+  <p:cSld>
+    <p:spTree>
+      <p:nvGrpSpPr>
+        <p:cNvPr id="1" name=""/>
+        <p:cNvGrpSpPr/>
+        <p:nvPr/>
+      </p:nvGrpSpPr>
+      <p:grpSpPr>
+        <a:xfrm>
+          <a:off x="0" y="0"/>
+          <a:ext cx="0" cy="0"/>
+          <a:chOff x="0" y="0"/>
+          <a:chExt cx="0" cy="0"/>
+        </a:xfrm>
+      </p:grpSpPr>
+      <p:sp>
+        <p:nvSpPr>
+          <p:cNvPr id="2" name="Title 1">
+            <a:extLst>
+              <a:ext uri="{FF2B5EF4-FFF2-40B4-BE49-F238E27FC236}">
+                <a16:creationId xmlns:a16="http://schemas.microsoft.com/office/drawing/2014/main" id="{B7AEE44B-02B1-46B1-A92F-331DC53CBC02}"/>
+              </a:ext>
+            </a:extLst>
+          </p:cNvPr>
+          <p:cNvSpPr>
+            <a:spLocks noGrp="1"/>
+          </p:cNvSpPr>
+          <p:nvPr>
+            <p:ph type="title"/>
+          </p:nvPr>
+        </p:nvSpPr>
+        <p:spPr>
+          <a:xfrm>
+            <a:off x="627853" y="228682"/>
+            <a:ext cx="10326658" cy="467226"/>
+          </a:xfrm>
+        </p:spPr>
+        <p:txBody>
+          <a:bodyPr/>
+          <a:lstStyle/>
+          <a:p>
+            <a:r>
+              <a:rPr lang="en-US" dirty="0"/>
+              <a:t>References</a:t>
+            </a:r>
+            <a:endParaRPr lang="en-AU" dirty="0"/>
+          </a:p>
+        </p:txBody>
+      </p:sp>
+      <p:sp>
+        <p:nvSpPr>
+          <p:cNvPr id="3" name="Text Placeholder 2">
+            <a:extLst>
+              <a:ext uri="{FF2B5EF4-FFF2-40B4-BE49-F238E27FC236}">
+                <a16:creationId xmlns:a16="http://schemas.microsoft.com/office/drawing/2014/main" id="{2E2CE34C-8295-426A-8195-DF8F21446174}"/>
+              </a:ext>
+            </a:extLst>
+          </p:cNvPr>
+          <p:cNvSpPr>
+            <a:spLocks noGrp="1"/>
+          </p:cNvSpPr>
+          <p:nvPr>
+            <p:ph type="body" idx="12"/>
+          </p:nvPr>
+        </p:nvSpPr>
+        <p:spPr>
+          <a:xfrm>
+            <a:off x="627853" y="791194"/>
+            <a:ext cx="10972801" cy="5945525"/>
+          </a:xfrm>
+        </p:spPr>
+        <p:txBody>
+          <a:bodyPr/>
+          <a:lstStyle/>
+          <a:p>
+            <a:pPr marL="342900" indent="-342900">
+              <a:buAutoNum type="arabicPeriod"/>
+            </a:pPr>
+            <a:r>
+              <a:rPr lang="en-US" b="1" dirty="0">
+                <a:solidFill>
+                  <a:srgbClr val="FF0000"/>
+                </a:solidFill>
+              </a:rPr>
+              <a:t>A scikit-learn compatible </a:t>
+            </a:r>
+            <a:r>
+              <a:rPr lang="en-US" b="1" dirty="0" err="1">
+                <a:solidFill>
+                  <a:srgbClr val="FF0000"/>
+                </a:solidFill>
+              </a:rPr>
+              <a:t>hyperbox</a:t>
+            </a:r>
+            <a:r>
+              <a:rPr lang="en-US" b="1" dirty="0">
+                <a:solidFill>
+                  <a:srgbClr val="FF0000"/>
+                </a:solidFill>
+              </a:rPr>
+              <a:t>-based machine learning library in Python is developed by </a:t>
+            </a:r>
+            <a:r>
+              <a:rPr lang="en-US" b="1" dirty="0" err="1">
+                <a:solidFill>
+                  <a:srgbClr val="FF0000"/>
+                </a:solidFill>
+              </a:rPr>
+              <a:t>CASLab</a:t>
+            </a:r>
+            <a:r>
+              <a:rPr lang="en-US" b="1" dirty="0">
+                <a:solidFill>
+                  <a:srgbClr val="FF0000"/>
+                </a:solidFill>
+              </a:rPr>
+              <a:t> – </a:t>
+            </a:r>
+            <a:r>
+              <a:rPr lang="en-US" b="1" dirty="0" err="1">
+                <a:solidFill>
+                  <a:schemeClr val="accent1"/>
+                </a:solidFill>
+              </a:rPr>
+              <a:t>hyperbox</a:t>
+            </a:r>
+            <a:r>
+              <a:rPr lang="en-US" b="1" dirty="0">
+                <a:solidFill>
+                  <a:schemeClr val="accent1"/>
+                </a:solidFill>
+              </a:rPr>
+              <a:t>-brain</a:t>
+            </a:r>
+            <a:endParaRPr lang="en-US" dirty="0">
+              <a:solidFill>
+                <a:schemeClr val="accent1"/>
+              </a:solidFill>
+            </a:endParaRPr>
+          </a:p>
+          <a:p>
+            <a:pPr marL="742950" lvl="1" indent="-285750">
+              <a:buFont typeface="Arial" panose="020B0604020202020204" pitchFamily="34" charset="0"/>
+              <a:buChar char="•"/>
+            </a:pPr>
+            <a:r>
+              <a:rPr lang="en-US" dirty="0"/>
+              <a:t>Home page: </a:t>
+            </a:r>
+            <a:r>
+              <a:rPr lang="en-US" dirty="0">
+                <a:hlinkClick r:id="rId2"/>
+              </a:rPr>
+              <a:t>https://uts-caslab.github.io/hyperbox-brain/</a:t>
+            </a:r>
+            <a:endParaRPr lang="en-US" dirty="0"/>
+          </a:p>
+          <a:p>
+            <a:pPr marL="742950" lvl="1" indent="-285750">
+              <a:buFont typeface="Arial" panose="020B0604020202020204" pitchFamily="34" charset="0"/>
+              <a:buChar char="•"/>
+            </a:pPr>
+            <a:r>
+              <a:rPr lang="en-US" dirty="0"/>
+              <a:t>GitHub: </a:t>
+            </a:r>
+            <a:r>
+              <a:rPr lang="en-US" dirty="0">
+                <a:hlinkClick r:id="rId3"/>
+              </a:rPr>
+              <a:t>https://github.com/UTS-CASLab/hyperbox-brain</a:t>
+            </a:r>
+            <a:endParaRPr lang="en-US" dirty="0"/>
+          </a:p>
+          <a:p>
+            <a:pPr marL="742950" lvl="1" indent="-285750">
+              <a:buFont typeface="Arial" panose="020B0604020202020204" pitchFamily="34" charset="0"/>
+              <a:buChar char="•"/>
+            </a:pPr>
+            <a:r>
+              <a:rPr lang="en-US" dirty="0"/>
+              <a:t>Documentation: </a:t>
+            </a:r>
+            <a:r>
+              <a:rPr lang="en-US" dirty="0">
+                <a:hlinkClick r:id="rId4"/>
+              </a:rPr>
+              <a:t>https://hyperbox-brain.readthedocs.io/en/latest/</a:t>
+            </a:r>
+            <a:endParaRPr lang="en-US" dirty="0"/>
+          </a:p>
+          <a:p>
+            <a:pPr marL="742950" lvl="1" indent="-285750">
+              <a:buFont typeface="Arial" panose="020B0604020202020204" pitchFamily="34" charset="0"/>
+              <a:buChar char="•"/>
+            </a:pPr>
+            <a:r>
+              <a:rPr lang="en-US" dirty="0" err="1"/>
+              <a:t>PyPi</a:t>
+            </a:r>
+            <a:r>
+              <a:rPr lang="en-US" dirty="0"/>
+              <a:t>: </a:t>
+            </a:r>
+            <a:r>
+              <a:rPr lang="en-US" dirty="0">
+                <a:hlinkClick r:id="rId5"/>
+              </a:rPr>
+              <a:t>https://pypi.org/project/hyperbox-brain/</a:t>
+            </a:r>
+            <a:endParaRPr lang="en-US" b="1" dirty="0">
+              <a:solidFill>
+                <a:srgbClr val="FF0000"/>
+              </a:solidFill>
+            </a:endParaRPr>
+          </a:p>
+          <a:p>
+            <a:pPr marL="342900" indent="-342900">
+              <a:spcBef>
+                <a:spcPts val="1500"/>
+              </a:spcBef>
+              <a:spcAft>
+                <a:spcPts val="600"/>
+              </a:spcAft>
+              <a:buAutoNum type="arabicPeriod" startAt="2"/>
+            </a:pPr>
+            <a:r>
+              <a:rPr lang="en-US" b="1" dirty="0">
+                <a:solidFill>
+                  <a:srgbClr val="FF0000"/>
+                </a:solidFill>
+              </a:rPr>
+              <a:t>Survey papers</a:t>
+            </a:r>
+            <a:endParaRPr lang="en-US" dirty="0"/>
+          </a:p>
+          <a:p>
+            <a:pPr marL="285750" indent="-285750" algn="just">
+              <a:spcAft>
+                <a:spcPts val="600"/>
+              </a:spcAft>
+              <a:buFontTx/>
+              <a:buChar char="-"/>
+            </a:pPr>
+            <a:r>
+              <a:rPr lang="en-GB" sz="1800" dirty="0">
+                <a:solidFill>
+                  <a:schemeClr val="accent1"/>
+                </a:solidFill>
+                <a:latin typeface="Arial" panose="020B0604020202020204" pitchFamily="34" charset="0"/>
+                <a:ea typeface="Calibri" panose="020F0502020204030204" pitchFamily="34" charset="0"/>
+                <a:cs typeface="Arial" panose="020B0604020202020204" pitchFamily="34" charset="0"/>
+              </a:rPr>
+              <a:t>Scriven, A., DJ </a:t>
+            </a:r>
+            <a:r>
+              <a:rPr lang="en-GB" sz="1800" dirty="0" err="1">
+                <a:solidFill>
+                  <a:schemeClr val="accent1"/>
+                </a:solidFill>
+                <a:latin typeface="Arial" panose="020B0604020202020204" pitchFamily="34" charset="0"/>
+                <a:ea typeface="Calibri" panose="020F0502020204030204" pitchFamily="34" charset="0"/>
+                <a:cs typeface="Arial" panose="020B0604020202020204" pitchFamily="34" charset="0"/>
+              </a:rPr>
+              <a:t>Kedziora</a:t>
+            </a:r>
+            <a:r>
+              <a:rPr lang="en-GB" sz="1800" dirty="0">
+                <a:solidFill>
+                  <a:schemeClr val="accent1"/>
+                </a:solidFill>
+                <a:latin typeface="Arial" panose="020B0604020202020204" pitchFamily="34" charset="0"/>
+                <a:ea typeface="Calibri" panose="020F0502020204030204" pitchFamily="34" charset="0"/>
+                <a:cs typeface="Arial" panose="020B0604020202020204" pitchFamily="34" charset="0"/>
+              </a:rPr>
+              <a:t>, K Musial, B Gabrys, “</a:t>
+            </a:r>
+            <a:r>
+              <a:rPr lang="en-GB" sz="1800" i="1" dirty="0">
+                <a:solidFill>
+                  <a:schemeClr val="accent1"/>
+                </a:solidFill>
+                <a:latin typeface="Arial" panose="020B0604020202020204" pitchFamily="34" charset="0"/>
+                <a:ea typeface="Calibri" panose="020F0502020204030204" pitchFamily="34" charset="0"/>
+                <a:cs typeface="Arial" panose="020B0604020202020204" pitchFamily="34" charset="0"/>
+              </a:rPr>
+              <a:t>The Technological Emergence of </a:t>
+            </a:r>
+            <a:r>
+              <a:rPr lang="en-GB" sz="1800" i="1" dirty="0" err="1">
+                <a:solidFill>
+                  <a:schemeClr val="accent1"/>
+                </a:solidFill>
+                <a:latin typeface="Arial" panose="020B0604020202020204" pitchFamily="34" charset="0"/>
+                <a:ea typeface="Calibri" panose="020F0502020204030204" pitchFamily="34" charset="0"/>
+                <a:cs typeface="Arial" panose="020B0604020202020204" pitchFamily="34" charset="0"/>
+              </a:rPr>
+              <a:t>AutoML</a:t>
+            </a:r>
+            <a:r>
+              <a:rPr lang="en-GB" sz="1800" i="1" dirty="0">
+                <a:solidFill>
+                  <a:schemeClr val="accent1"/>
+                </a:solidFill>
+                <a:latin typeface="Arial" panose="020B0604020202020204" pitchFamily="34" charset="0"/>
+                <a:ea typeface="Calibri" panose="020F0502020204030204" pitchFamily="34" charset="0"/>
+                <a:cs typeface="Arial" panose="020B0604020202020204" pitchFamily="34" charset="0"/>
+              </a:rPr>
+              <a:t>: A   Survey of Performant Software and Applications in the Context of Industry</a:t>
+            </a:r>
+            <a:r>
+              <a:rPr lang="en-GB" sz="1800" dirty="0">
+                <a:solidFill>
+                  <a:schemeClr val="accent1"/>
+                </a:solidFill>
+                <a:latin typeface="Arial" panose="020B0604020202020204" pitchFamily="34" charset="0"/>
+                <a:ea typeface="Calibri" panose="020F0502020204030204" pitchFamily="34" charset="0"/>
+                <a:cs typeface="Arial" panose="020B0604020202020204" pitchFamily="34" charset="0"/>
+              </a:rPr>
+              <a:t>”, 2022 (Coming soon).</a:t>
+            </a:r>
+          </a:p>
+          <a:p>
+            <a:pPr marL="285750" indent="-285750" algn="just">
+              <a:spcAft>
+                <a:spcPts val="600"/>
+              </a:spcAft>
+              <a:buFontTx/>
+              <a:buChar char="-"/>
+            </a:pPr>
+            <a:r>
+              <a:rPr lang="en-US" dirty="0">
+                <a:solidFill>
+                  <a:schemeClr val="accent1"/>
+                </a:solidFill>
+              </a:rPr>
+              <a:t>X. Dong, D.J. </a:t>
+            </a:r>
+            <a:r>
+              <a:rPr lang="en-US" dirty="0" err="1">
+                <a:solidFill>
+                  <a:schemeClr val="accent1"/>
+                </a:solidFill>
+              </a:rPr>
+              <a:t>Kedziora</a:t>
+            </a:r>
+            <a:r>
+              <a:rPr lang="en-US" dirty="0">
+                <a:solidFill>
+                  <a:schemeClr val="accent1"/>
+                </a:solidFill>
+              </a:rPr>
+              <a:t>, K. Musial, B. Gabrys, “</a:t>
+            </a:r>
+            <a:r>
+              <a:rPr lang="en-US" i="1" dirty="0">
+                <a:solidFill>
+                  <a:schemeClr val="accent1"/>
+                </a:solidFill>
+              </a:rPr>
+              <a:t>Automated Deep Learning: Neural Architecture Search Is Not the End</a:t>
+            </a:r>
+            <a:r>
+              <a:rPr lang="en-US" dirty="0">
+                <a:solidFill>
+                  <a:schemeClr val="accent1"/>
+                </a:solidFill>
+              </a:rPr>
+              <a:t>”, </a:t>
+            </a:r>
+            <a:r>
+              <a:rPr lang="en-US" dirty="0" err="1">
+                <a:solidFill>
+                  <a:schemeClr val="accent1"/>
+                </a:solidFill>
+              </a:rPr>
+              <a:t>ArXiv</a:t>
+            </a:r>
+            <a:r>
+              <a:rPr lang="en-US" dirty="0">
+                <a:solidFill>
+                  <a:schemeClr val="accent1"/>
+                </a:solidFill>
+              </a:rPr>
+              <a:t>, 2022 (</a:t>
+            </a:r>
+            <a:r>
+              <a:rPr lang="en-US" dirty="0">
+                <a:solidFill>
+                  <a:schemeClr val="accent1"/>
+                </a:solidFill>
+                <a:hlinkClick r:id="rId6">
+                  <a:extLst>
+                    <a:ext uri="{A12FA001-AC4F-418D-AE19-62706E023703}">
+                      <ahyp:hlinkClr xmlns:ahyp="http://schemas.microsoft.com/office/drawing/2018/hyperlinkcolor" val="tx"/>
+                    </a:ext>
+                  </a:extLst>
+                </a:hlinkClick>
+              </a:rPr>
+              <a:t>https://arxiv.org/pdf/2112.09245.pdf</a:t>
+            </a:r>
+            <a:r>
+              <a:rPr lang="en-US" dirty="0">
+                <a:solidFill>
+                  <a:schemeClr val="accent1"/>
+                </a:solidFill>
+              </a:rPr>
+              <a:t>)</a:t>
+            </a:r>
+            <a:r>
+              <a:rPr lang="en-AU" dirty="0">
+                <a:solidFill>
+                  <a:schemeClr val="accent1"/>
+                </a:solidFill>
+              </a:rPr>
+              <a:t> </a:t>
+            </a:r>
+          </a:p>
+          <a:p>
+            <a:pPr marL="285750" indent="-285750" algn="just">
+              <a:spcAft>
+                <a:spcPts val="600"/>
+              </a:spcAft>
+              <a:buFontTx/>
+              <a:buChar char="-"/>
+            </a:pPr>
+            <a:r>
+              <a:rPr lang="en-US" dirty="0">
+                <a:solidFill>
+                  <a:schemeClr val="accent1"/>
+                </a:solidFill>
+              </a:rPr>
+              <a:t>D.J. </a:t>
+            </a:r>
+            <a:r>
+              <a:rPr lang="en-US" dirty="0" err="1">
+                <a:solidFill>
+                  <a:schemeClr val="accent1"/>
+                </a:solidFill>
+              </a:rPr>
+              <a:t>Kedziora</a:t>
+            </a:r>
+            <a:r>
+              <a:rPr lang="en-US" dirty="0">
+                <a:solidFill>
+                  <a:schemeClr val="accent1"/>
+                </a:solidFill>
+              </a:rPr>
+              <a:t>, K. Musial, B. Gabrys, “</a:t>
+            </a:r>
+            <a:r>
+              <a:rPr lang="en-US" i="1" dirty="0" err="1">
+                <a:solidFill>
+                  <a:schemeClr val="accent1"/>
+                </a:solidFill>
+              </a:rPr>
+              <a:t>AutonoML</a:t>
+            </a:r>
+            <a:r>
+              <a:rPr lang="en-US" i="1" dirty="0">
+                <a:solidFill>
+                  <a:schemeClr val="accent1"/>
+                </a:solidFill>
+              </a:rPr>
+              <a:t>: Towards an integrated framework for autonomous machine learning</a:t>
+            </a:r>
+            <a:r>
+              <a:rPr lang="en-US" dirty="0">
+                <a:solidFill>
+                  <a:schemeClr val="accent1"/>
+                </a:solidFill>
+              </a:rPr>
+              <a:t>”, </a:t>
+            </a:r>
+            <a:r>
+              <a:rPr lang="en-US" dirty="0" err="1">
+                <a:solidFill>
+                  <a:schemeClr val="accent1"/>
+                </a:solidFill>
+              </a:rPr>
+              <a:t>ArXiv</a:t>
+            </a:r>
+            <a:r>
+              <a:rPr lang="en-US" dirty="0">
+                <a:solidFill>
+                  <a:schemeClr val="accent1"/>
+                </a:solidFill>
+              </a:rPr>
+              <a:t>, 2020 (</a:t>
+            </a:r>
+            <a:r>
+              <a:rPr lang="en-US" dirty="0">
+                <a:solidFill>
+                  <a:schemeClr val="accent1"/>
+                </a:solidFill>
+                <a:hlinkClick r:id="rId7">
+                  <a:extLst>
+                    <a:ext uri="{A12FA001-AC4F-418D-AE19-62706E023703}">
+                      <ahyp:hlinkClr xmlns:ahyp="http://schemas.microsoft.com/office/drawing/2018/hyperlinkcolor" val="tx"/>
+                    </a:ext>
+                  </a:extLst>
+                </a:hlinkClick>
+              </a:rPr>
+              <a:t>https://arxiv.org/pdf/2012.12600.pdf</a:t>
+            </a:r>
+            <a:r>
+              <a:rPr lang="en-US" dirty="0">
+                <a:solidFill>
+                  <a:schemeClr val="accent1"/>
+                </a:solidFill>
+              </a:rPr>
+              <a:t>)</a:t>
+            </a:r>
+          </a:p>
+          <a:p>
+            <a:pPr marL="285750" indent="-285750" algn="just">
+              <a:spcAft>
+                <a:spcPts val="600"/>
+              </a:spcAft>
+              <a:buFontTx/>
+              <a:buChar char="-"/>
+            </a:pPr>
+            <a:r>
+              <a:rPr lang="en-US" dirty="0">
+                <a:solidFill>
+                  <a:schemeClr val="accent1"/>
+                </a:solidFill>
+              </a:rPr>
+              <a:t>T. T. Khuat, D.J. </a:t>
+            </a:r>
+            <a:r>
+              <a:rPr lang="en-US" dirty="0" err="1">
+                <a:solidFill>
+                  <a:schemeClr val="accent1"/>
+                </a:solidFill>
+              </a:rPr>
+              <a:t>Kedziora</a:t>
+            </a:r>
+            <a:r>
+              <a:rPr lang="en-US" dirty="0">
+                <a:solidFill>
+                  <a:schemeClr val="accent1"/>
+                </a:solidFill>
+              </a:rPr>
+              <a:t>, B. Gabrys, “</a:t>
+            </a:r>
+            <a:r>
+              <a:rPr lang="en-US" i="1" dirty="0">
+                <a:solidFill>
+                  <a:schemeClr val="accent1"/>
+                </a:solidFill>
+              </a:rPr>
+              <a:t>The Roles and Modes of Human Interactions with Automated Machine Learning Systems</a:t>
+            </a:r>
+            <a:r>
+              <a:rPr lang="en-US" dirty="0">
+                <a:solidFill>
+                  <a:schemeClr val="accent1"/>
+                </a:solidFill>
+              </a:rPr>
+              <a:t>”, </a:t>
+            </a:r>
+            <a:r>
+              <a:rPr lang="en-US" dirty="0" err="1">
+                <a:solidFill>
+                  <a:schemeClr val="accent1"/>
+                </a:solidFill>
+              </a:rPr>
+              <a:t>ArXiv</a:t>
+            </a:r>
+            <a:r>
+              <a:rPr lang="en-US" dirty="0">
+                <a:solidFill>
+                  <a:schemeClr val="accent1"/>
+                </a:solidFill>
+              </a:rPr>
+              <a:t>, 2022 </a:t>
+            </a:r>
+            <a:r>
+              <a:rPr lang="en-GB" sz="1800" dirty="0">
+                <a:solidFill>
+                  <a:schemeClr val="accent1"/>
+                </a:solidFill>
+                <a:latin typeface="Arial" panose="020B0604020202020204" pitchFamily="34" charset="0"/>
+                <a:ea typeface="Calibri" panose="020F0502020204030204" pitchFamily="34" charset="0"/>
+                <a:cs typeface="Arial" panose="020B0604020202020204" pitchFamily="34" charset="0"/>
+              </a:rPr>
+              <a:t>(Coming soon).</a:t>
+            </a:r>
+            <a:endParaRPr lang="en-US" dirty="0">
+              <a:solidFill>
+                <a:schemeClr val="accent1"/>
+              </a:solidFill>
+            </a:endParaRPr>
+          </a:p>
+          <a:p>
+            <a:pPr marL="285750" indent="-285750">
+              <a:buFontTx/>
+              <a:buChar char="-"/>
+            </a:pPr>
+            <a:endParaRPr lang="en-US" dirty="0">
+              <a:solidFill>
+                <a:schemeClr val="accent1"/>
+              </a:solidFill>
+            </a:endParaRPr>
+          </a:p>
+          <a:p>
+            <a:pPr marL="285750" indent="-285750">
+              <a:buFontTx/>
+              <a:buChar char="-"/>
+            </a:pPr>
+            <a:endParaRPr lang="en-GB" sz="1800" dirty="0">
+              <a:solidFill>
+                <a:schemeClr val="accent1"/>
+              </a:solidFill>
+              <a:latin typeface="Arial" panose="020B0604020202020204" pitchFamily="34" charset="0"/>
+              <a:ea typeface="Calibri" panose="020F0502020204030204" pitchFamily="34" charset="0"/>
+              <a:cs typeface="Arial" panose="020B0604020202020204" pitchFamily="34" charset="0"/>
+            </a:endParaRPr>
+          </a:p>
+          <a:p>
+            <a:pPr marL="285750" indent="-285750">
+              <a:buFontTx/>
+              <a:buChar char="-"/>
+            </a:pPr>
+            <a:endParaRPr lang="en-US" dirty="0">
+              <a:solidFill>
+                <a:schemeClr val="accent1"/>
+              </a:solidFill>
+            </a:endParaRPr>
+          </a:p>
+          <a:p>
+            <a:endParaRPr lang="en-US" dirty="0"/>
+          </a:p>
+          <a:p>
+            <a:endParaRPr lang="en-US" dirty="0"/>
+          </a:p>
+        </p:txBody>
+      </p:sp>
+    </p:spTree>
+    <p:extLst>
+      <p:ext uri="{BB962C8B-B14F-4D97-AF65-F5344CB8AC3E}">
+        <p14:creationId xmlns:p14="http://schemas.microsoft.com/office/powerpoint/2010/main" val="151151971"/>
       </p:ext>
     </p:extLst>
   </p:cSld>
@@ -18320,6 +18976,15 @@
 </file>
 
 <file path=customXml/item1.xml><?xml version="1.0" encoding="utf-8"?>
+<p:properties xmlns:p="http://schemas.microsoft.com/office/2006/metadata/properties" xmlns:xsi="http://www.w3.org/2001/XMLSchema-instance" xmlns:pc="http://schemas.microsoft.com/office/infopath/2007/PartnerControls">
+  <documentManagement>
+    <KeyDocument xmlns="599cdadb-518c-4a4c-85ba-dbf7adc631b4">No</KeyDocument>
+    <Document_x0020_Type xmlns="420b5d22-3341-4f60-b4d6-57d88f13fbf6">Agenda</Document_x0020_Type>
+  </documentManagement>
+</p:properties>
+</file>
+
+<file path=customXml/item2.xml><?xml version="1.0" encoding="utf-8"?>
 <ct:contentTypeSchema xmlns:ct="http://schemas.microsoft.com/office/2006/metadata/contentType" xmlns:ma="http://schemas.microsoft.com/office/2006/metadata/properties/metaAttributes" ct:_="" ma:_="" ma:contentTypeName="Document" ma:contentTypeID="0x0101005F236411D1385A448DD499B680FE959C" ma:contentTypeVersion="5" ma:contentTypeDescription="Create a new document." ma:contentTypeScope="" ma:versionID="356e63679b5ba21a5ed7203213ec0c9f">
   <xsd:schema xmlns:xsd="http://www.w3.org/2001/XMLSchema" xmlns:xs="http://www.w3.org/2001/XMLSchema" xmlns:p="http://schemas.microsoft.com/office/2006/metadata/properties" xmlns:ns1="http://schemas.microsoft.com/sharepoint/v3" xmlns:ns2="599cdadb-518c-4a4c-85ba-dbf7adc631b4" xmlns:ns3="420b5d22-3341-4f60-b4d6-57d88f13fbf6" targetNamespace="http://schemas.microsoft.com/office/2006/metadata/properties" ma:root="true" ma:fieldsID="ac2e0ee9ae3581c01341be6bc1f53829" ns1:_="" ns2:_="" ns3:_="">
     <xsd:import namespace="http://schemas.microsoft.com/sharepoint/v3"/>
@@ -18496,25 +19161,7 @@
 </ct:contentTypeSchema>
 </file>
 
-<file path=customXml/item2.xml><?xml version="1.0" encoding="utf-8"?>
-<p:properties xmlns:p="http://schemas.microsoft.com/office/2006/metadata/properties" xmlns:xsi="http://www.w3.org/2001/XMLSchema-instance" xmlns:pc="http://schemas.microsoft.com/office/infopath/2007/PartnerControls">
-  <documentManagement>
-    <KeyDocument xmlns="599cdadb-518c-4a4c-85ba-dbf7adc631b4">No</KeyDocument>
-    <Document_x0020_Type xmlns="420b5d22-3341-4f60-b4d6-57d88f13fbf6">Agenda</Document_x0020_Type>
-  </documentManagement>
-</p:properties>
-</file>
-
 <file path=customXml/item3.xml><?xml version="1.0" encoding="utf-8"?>
-<?mso-contentType ?>
-<FormTemplates xmlns="http://schemas.microsoft.com/sharepoint/v3/contenttype/forms">
-  <Display>DocumentLibraryForm</Display>
-  <Edit>DocumentLibraryForm</Edit>
-  <New>DocumentLibraryForm</New>
-</FormTemplates>
-</file>
-
-<file path=customXml/item4.xml><?xml version="1.0" encoding="utf-8"?>
 <?mso-contentType ?>
 <p:Policy xmlns:p="office.server.policy" id="" local="true">
   <p:Name>Document</p:Name>
@@ -18534,7 +19181,27 @@
 </p:Policy>
 </file>
 
+<file path=customXml/item4.xml><?xml version="1.0" encoding="utf-8"?>
+<?mso-contentType ?>
+<FormTemplates xmlns="http://schemas.microsoft.com/sharepoint/v3/contenttype/forms">
+  <Display>DocumentLibraryForm</Display>
+  <Edit>DocumentLibraryForm</Edit>
+  <New>DocumentLibraryForm</New>
+</FormTemplates>
+</file>
+
 <file path=customXml/itemProps1.xml><?xml version="1.0" encoding="utf-8"?>
+<ds:datastoreItem xmlns:ds="http://schemas.openxmlformats.org/officeDocument/2006/customXml" ds:itemID="{652E60EC-561B-45BE-A672-F0C492B390AC}">
+  <ds:schemaRefs>
+    <ds:schemaRef ds:uri="http://schemas.microsoft.com/office/2006/metadata/properties"/>
+    <ds:schemaRef ds:uri="http://schemas.microsoft.com/office/infopath/2007/PartnerControls"/>
+    <ds:schemaRef ds:uri="599cdadb-518c-4a4c-85ba-dbf7adc631b4"/>
+    <ds:schemaRef ds:uri="420b5d22-3341-4f60-b4d6-57d88f13fbf6"/>
+  </ds:schemaRefs>
+</ds:datastoreItem>
+</file>
+
+<file path=customXml/itemProps2.xml><?xml version="1.0" encoding="utf-8"?>
 <ds:datastoreItem xmlns:ds="http://schemas.openxmlformats.org/officeDocument/2006/customXml" ds:itemID="{38DCEB34-3C0E-4E47-8FDE-5BCB0C9702EC}">
   <ds:schemaRefs>
     <ds:schemaRef ds:uri="http://schemas.microsoft.com/office/2006/metadata/contentType"/>
@@ -18554,29 +19221,18 @@
 </ds:datastoreItem>
 </file>
 
-<file path=customXml/itemProps2.xml><?xml version="1.0" encoding="utf-8"?>
-<ds:datastoreItem xmlns:ds="http://schemas.openxmlformats.org/officeDocument/2006/customXml" ds:itemID="{652E60EC-561B-45BE-A672-F0C492B390AC}">
+<file path=customXml/itemProps3.xml><?xml version="1.0" encoding="utf-8"?>
+<ds:datastoreItem xmlns:ds="http://schemas.openxmlformats.org/officeDocument/2006/customXml" ds:itemID="{45734168-935B-43E9-8E9B-A02430AEB71C}">
   <ds:schemaRefs>
-    <ds:schemaRef ds:uri="http://schemas.microsoft.com/office/2006/metadata/properties"/>
-    <ds:schemaRef ds:uri="http://schemas.microsoft.com/office/infopath/2007/PartnerControls"/>
-    <ds:schemaRef ds:uri="599cdadb-518c-4a4c-85ba-dbf7adc631b4"/>
-    <ds:schemaRef ds:uri="420b5d22-3341-4f60-b4d6-57d88f13fbf6"/>
+    <ds:schemaRef ds:uri="office.server.policy"/>
   </ds:schemaRefs>
 </ds:datastoreItem>
 </file>
 
-<file path=customXml/itemProps3.xml><?xml version="1.0" encoding="utf-8"?>
+<file path=customXml/itemProps4.xml><?xml version="1.0" encoding="utf-8"?>
 <ds:datastoreItem xmlns:ds="http://schemas.openxmlformats.org/officeDocument/2006/customXml" ds:itemID="{51F0AC4F-98DE-4AE3-8441-0CB68757F9F6}">
   <ds:schemaRefs>
     <ds:schemaRef ds:uri="http://schemas.microsoft.com/sharepoint/v3/contenttype/forms"/>
   </ds:schemaRefs>
 </ds:datastoreItem>
-</file>
-
-<file path=customXml/itemProps4.xml><?xml version="1.0" encoding="utf-8"?>
-<ds:datastoreItem xmlns:ds="http://schemas.openxmlformats.org/officeDocument/2006/customXml" ds:itemID="{45734168-935B-43E9-8E9B-A02430AEB71C}">
-  <ds:schemaRefs>
-    <ds:schemaRef ds:uri="office.server.policy"/>
-  </ds:schemaRefs>
-</ds:datastoreItem>
 </file>
--- a/Lecture/AutoML Tutorial.pptx
+++ b/Lecture/AutoML Tutorial.pptx
@@ -254,7 +254,7 @@
           <a:p>
             <a:fld id="{7E227BE0-8D26-2C46-B592-87513771FDEF}" type="datetimeFigureOut">
               <a:rPr lang="en-US" smtClean="0"/>
-              <a:t>5/5/2022</a:t>
+              <a:t>5/12/2022</a:t>
             </a:fld>
             <a:endParaRPr lang="en-US"/>
           </a:p>
@@ -7856,7 +7856,7 @@
           <a:p>
             <a:fld id="{2C98E1AB-6A0A-AC44-83B9-9FAC961E3C28}" type="datetimeFigureOut">
               <a:rPr lang="en-US" smtClean="0"/>
-              <a:t>5/5/2022</a:t>
+              <a:t>5/12/2022</a:t>
             </a:fld>
             <a:endParaRPr lang="en-US"/>
           </a:p>
@@ -10833,7 +10833,30 @@
                 <a:ea typeface="Calibri" panose="020F0502020204030204" pitchFamily="34" charset="0"/>
                 <a:cs typeface="Arial" panose="020B0604020202020204" pitchFamily="34" charset="0"/>
               </a:rPr>
-              <a:t>(Coming soon).</a:t>
+              <a:t>(</a:t>
+            </a:r>
+            <a:r>
+              <a:rPr lang="en-GB" sz="1800" dirty="0">
+                <a:solidFill>
+                  <a:schemeClr val="accent1"/>
+                </a:solidFill>
+                <a:latin typeface="Arial" panose="020B0604020202020204" pitchFamily="34" charset="0"/>
+                <a:ea typeface="Calibri" panose="020F0502020204030204" pitchFamily="34" charset="0"/>
+                <a:cs typeface="Arial" panose="020B0604020202020204" pitchFamily="34" charset="0"/>
+                <a:hlinkClick r:id="rId8"/>
+              </a:rPr>
+              <a:t>https://arxiv.org/pdf/2205.04139.pdf</a:t>
+            </a:r>
+            <a:r>
+              <a:rPr lang="en-GB" sz="1800" dirty="0">
+                <a:solidFill>
+                  <a:schemeClr val="accent1"/>
+                </a:solidFill>
+                <a:latin typeface="Arial" panose="020B0604020202020204" pitchFamily="34" charset="0"/>
+                <a:ea typeface="Calibri" panose="020F0502020204030204" pitchFamily="34" charset="0"/>
+                <a:cs typeface="Arial" panose="020B0604020202020204" pitchFamily="34" charset="0"/>
+              </a:rPr>
+              <a:t>)</a:t>
             </a:r>
             <a:endParaRPr lang="en-US" dirty="0">
               <a:solidFill>
@@ -18976,15 +18999,6 @@
 </file>
 
 <file path=customXml/item1.xml><?xml version="1.0" encoding="utf-8"?>
-<p:properties xmlns:p="http://schemas.microsoft.com/office/2006/metadata/properties" xmlns:xsi="http://www.w3.org/2001/XMLSchema-instance" xmlns:pc="http://schemas.microsoft.com/office/infopath/2007/PartnerControls">
-  <documentManagement>
-    <KeyDocument xmlns="599cdadb-518c-4a4c-85ba-dbf7adc631b4">No</KeyDocument>
-    <Document_x0020_Type xmlns="420b5d22-3341-4f60-b4d6-57d88f13fbf6">Agenda</Document_x0020_Type>
-  </documentManagement>
-</p:properties>
-</file>
-
-<file path=customXml/item2.xml><?xml version="1.0" encoding="utf-8"?>
 <ct:contentTypeSchema xmlns:ct="http://schemas.microsoft.com/office/2006/metadata/contentType" xmlns:ma="http://schemas.microsoft.com/office/2006/metadata/properties/metaAttributes" ct:_="" ma:_="" ma:contentTypeName="Document" ma:contentTypeID="0x0101005F236411D1385A448DD499B680FE959C" ma:contentTypeVersion="5" ma:contentTypeDescription="Create a new document." ma:contentTypeScope="" ma:versionID="356e63679b5ba21a5ed7203213ec0c9f">
   <xsd:schema xmlns:xsd="http://www.w3.org/2001/XMLSchema" xmlns:xs="http://www.w3.org/2001/XMLSchema" xmlns:p="http://schemas.microsoft.com/office/2006/metadata/properties" xmlns:ns1="http://schemas.microsoft.com/sharepoint/v3" xmlns:ns2="599cdadb-518c-4a4c-85ba-dbf7adc631b4" xmlns:ns3="420b5d22-3341-4f60-b4d6-57d88f13fbf6" targetNamespace="http://schemas.microsoft.com/office/2006/metadata/properties" ma:root="true" ma:fieldsID="ac2e0ee9ae3581c01341be6bc1f53829" ns1:_="" ns2:_="" ns3:_="">
     <xsd:import namespace="http://schemas.microsoft.com/sharepoint/v3"/>
@@ -19161,7 +19175,25 @@
 </ct:contentTypeSchema>
 </file>
 
+<file path=customXml/item2.xml><?xml version="1.0" encoding="utf-8"?>
+<p:properties xmlns:p="http://schemas.microsoft.com/office/2006/metadata/properties" xmlns:xsi="http://www.w3.org/2001/XMLSchema-instance" xmlns:pc="http://schemas.microsoft.com/office/infopath/2007/PartnerControls">
+  <documentManagement>
+    <KeyDocument xmlns="599cdadb-518c-4a4c-85ba-dbf7adc631b4">No</KeyDocument>
+    <Document_x0020_Type xmlns="420b5d22-3341-4f60-b4d6-57d88f13fbf6">Agenda</Document_x0020_Type>
+  </documentManagement>
+</p:properties>
+</file>
+
 <file path=customXml/item3.xml><?xml version="1.0" encoding="utf-8"?>
+<?mso-contentType ?>
+<FormTemplates xmlns="http://schemas.microsoft.com/sharepoint/v3/contenttype/forms">
+  <Display>DocumentLibraryForm</Display>
+  <Edit>DocumentLibraryForm</Edit>
+  <New>DocumentLibraryForm</New>
+</FormTemplates>
+</file>
+
+<file path=customXml/item4.xml><?xml version="1.0" encoding="utf-8"?>
 <?mso-contentType ?>
 <p:Policy xmlns:p="office.server.policy" id="" local="true">
   <p:Name>Document</p:Name>
@@ -19181,27 +19213,7 @@
 </p:Policy>
 </file>
 
-<file path=customXml/item4.xml><?xml version="1.0" encoding="utf-8"?>
-<?mso-contentType ?>
-<FormTemplates xmlns="http://schemas.microsoft.com/sharepoint/v3/contenttype/forms">
-  <Display>DocumentLibraryForm</Display>
-  <Edit>DocumentLibraryForm</Edit>
-  <New>DocumentLibraryForm</New>
-</FormTemplates>
-</file>
-
 <file path=customXml/itemProps1.xml><?xml version="1.0" encoding="utf-8"?>
-<ds:datastoreItem xmlns:ds="http://schemas.openxmlformats.org/officeDocument/2006/customXml" ds:itemID="{652E60EC-561B-45BE-A672-F0C492B390AC}">
-  <ds:schemaRefs>
-    <ds:schemaRef ds:uri="http://schemas.microsoft.com/office/2006/metadata/properties"/>
-    <ds:schemaRef ds:uri="http://schemas.microsoft.com/office/infopath/2007/PartnerControls"/>
-    <ds:schemaRef ds:uri="599cdadb-518c-4a4c-85ba-dbf7adc631b4"/>
-    <ds:schemaRef ds:uri="420b5d22-3341-4f60-b4d6-57d88f13fbf6"/>
-  </ds:schemaRefs>
-</ds:datastoreItem>
-</file>
-
-<file path=customXml/itemProps2.xml><?xml version="1.0" encoding="utf-8"?>
 <ds:datastoreItem xmlns:ds="http://schemas.openxmlformats.org/officeDocument/2006/customXml" ds:itemID="{38DCEB34-3C0E-4E47-8FDE-5BCB0C9702EC}">
   <ds:schemaRefs>
     <ds:schemaRef ds:uri="http://schemas.microsoft.com/office/2006/metadata/contentType"/>
@@ -19221,18 +19233,29 @@
 </ds:datastoreItem>
 </file>
 
+<file path=customXml/itemProps2.xml><?xml version="1.0" encoding="utf-8"?>
+<ds:datastoreItem xmlns:ds="http://schemas.openxmlformats.org/officeDocument/2006/customXml" ds:itemID="{652E60EC-561B-45BE-A672-F0C492B390AC}">
+  <ds:schemaRefs>
+    <ds:schemaRef ds:uri="http://schemas.microsoft.com/office/2006/metadata/properties"/>
+    <ds:schemaRef ds:uri="http://schemas.microsoft.com/office/infopath/2007/PartnerControls"/>
+    <ds:schemaRef ds:uri="599cdadb-518c-4a4c-85ba-dbf7adc631b4"/>
+    <ds:schemaRef ds:uri="420b5d22-3341-4f60-b4d6-57d88f13fbf6"/>
+  </ds:schemaRefs>
+</ds:datastoreItem>
+</file>
+
 <file path=customXml/itemProps3.xml><?xml version="1.0" encoding="utf-8"?>
+<ds:datastoreItem xmlns:ds="http://schemas.openxmlformats.org/officeDocument/2006/customXml" ds:itemID="{51F0AC4F-98DE-4AE3-8441-0CB68757F9F6}">
+  <ds:schemaRefs>
+    <ds:schemaRef ds:uri="http://schemas.microsoft.com/sharepoint/v3/contenttype/forms"/>
+  </ds:schemaRefs>
+</ds:datastoreItem>
+</file>
+
+<file path=customXml/itemProps4.xml><?xml version="1.0" encoding="utf-8"?>
 <ds:datastoreItem xmlns:ds="http://schemas.openxmlformats.org/officeDocument/2006/customXml" ds:itemID="{45734168-935B-43E9-8E9B-A02430AEB71C}">
   <ds:schemaRefs>
     <ds:schemaRef ds:uri="office.server.policy"/>
   </ds:schemaRefs>
 </ds:datastoreItem>
-</file>
-
-<file path=customXml/itemProps4.xml><?xml version="1.0" encoding="utf-8"?>
-<ds:datastoreItem xmlns:ds="http://schemas.openxmlformats.org/officeDocument/2006/customXml" ds:itemID="{51F0AC4F-98DE-4AE3-8441-0CB68757F9F6}">
-  <ds:schemaRefs>
-    <ds:schemaRef ds:uri="http://schemas.microsoft.com/sharepoint/v3/contenttype/forms"/>
-  </ds:schemaRefs>
-</ds:datastoreItem>
 </file>